--- a/OkvirZaModeliranje.pptx
+++ b/OkvirZaModeliranje.pptx
@@ -9347,7 +9347,7 @@
             <p:ph idx="1"/>
             <p:extLst>
               <p:ext uri="{D42A27DB-BD31-4B8C-83A1-F6EECF244321}">
-                <p14:modId xmlns:p14="http://schemas.microsoft.com/office/powerpoint/2010/main" val="1031946647"/>
+                <p14:modId xmlns:p14="http://schemas.microsoft.com/office/powerpoint/2010/main" val="2144873151"/>
               </p:ext>
             </p:extLst>
           </p:nvPr>
@@ -10476,7 +10476,7 @@
                         </a:spcAft>
                       </a:pPr>
                       <a:r>
-                        <a:rPr lang="hr-HR" sz="1600">
+                        <a:rPr lang="hr-HR" sz="1600" dirty="0">
                           <a:solidFill>
                             <a:srgbClr val="000000"/>
                           </a:solidFill>
@@ -10485,9 +10485,21 @@
                           <a:ea typeface="ＭＳ 明朝" panose="02020609040205080304" pitchFamily="17" charset="-128"/>
                           <a:cs typeface="Times New Roman" panose="02020603050405020304" pitchFamily="18" charset="0"/>
                         </a:rPr>
-                        <a:t>Modul za kalendar</a:t>
+                        <a:t>Modul za </a:t>
                       </a:r>
-                      <a:endParaRPr lang="hr-BA" sz="1600">
+                      <a:r>
+                        <a:rPr lang="en-US" sz="1600" dirty="0" err="1">
+                          <a:solidFill>
+                            <a:srgbClr val="000000"/>
+                          </a:solidFill>
+                          <a:effectLst/>
+                          <a:latin typeface="Times New Roman" panose="02020603050405020304" pitchFamily="18" charset="0"/>
+                          <a:ea typeface="ＭＳ 明朝" panose="02020609040205080304" pitchFamily="17" charset="-128"/>
+                          <a:cs typeface="Times New Roman" panose="02020603050405020304" pitchFamily="18" charset="0"/>
+                        </a:rPr>
+                        <a:t>oglašavanje</a:t>
+                      </a:r>
+                      <a:endParaRPr lang="hr-BA" sz="1600" dirty="0">
                         <a:effectLst/>
                         <a:latin typeface="Times New Roman" panose="02020603050405020304" pitchFamily="18" charset="0"/>
                         <a:ea typeface="ＭＳ 明朝" panose="02020609040205080304" pitchFamily="17" charset="-128"/>
